--- a/ppt/03.二分类-数值输入.pptx
+++ b/ppt/03.二分类-数值输入.pptx
@@ -5,7 +5,7 @@
     <p:sldMasterId id="2147483648" r:id="rId1"/>
   </p:sldMasterIdLst>
   <p:notesMasterIdLst>
-    <p:notesMasterId r:id="rId24"/>
+    <p:notesMasterId r:id="rId26"/>
   </p:notesMasterIdLst>
   <p:sldIdLst>
     <p:sldId id="256" r:id="rId2"/>
@@ -29,7 +29,9 @@
     <p:sldId id="324" r:id="rId20"/>
     <p:sldId id="343" r:id="rId21"/>
     <p:sldId id="344" r:id="rId22"/>
-    <p:sldId id="303" r:id="rId23"/>
+    <p:sldId id="347" r:id="rId23"/>
+    <p:sldId id="348" r:id="rId24"/>
+    <p:sldId id="303" r:id="rId25"/>
   </p:sldIdLst>
   <p:sldSz cx="12192000" cy="6858000"/>
   <p:notesSz cx="6858000" cy="9144000"/>
@@ -218,7 +220,7 @@
           <a:p>
             <a:fld id="{DACACA31-A8D1-C749-B637-11AA2950D448}" type="datetimeFigureOut">
               <a:rPr lang="en-US" smtClean="0"/>
-              <a:t>3/16/24</a:t>
+              <a:t>3/18/24</a:t>
             </a:fld>
             <a:endParaRPr lang="en-US"/>
           </a:p>
@@ -653,6 +655,174 @@
 </p:notes>
 </file>
 
+<file path=ppt/notesSlides/notesSlide3.xml><?xml version="1.0" encoding="utf-8"?>
+<p:notes xmlns:a="http://schemas.openxmlformats.org/drawingml/2006/main" xmlns:r="http://schemas.openxmlformats.org/officeDocument/2006/relationships" xmlns:p="http://schemas.openxmlformats.org/presentationml/2006/main">
+  <p:cSld>
+    <p:spTree>
+      <p:nvGrpSpPr>
+        <p:cNvPr id="1" name=""/>
+        <p:cNvGrpSpPr/>
+        <p:nvPr/>
+      </p:nvGrpSpPr>
+      <p:grpSpPr>
+        <a:xfrm>
+          <a:off x="0" y="0"/>
+          <a:ext cx="0" cy="0"/>
+          <a:chOff x="0" y="0"/>
+          <a:chExt cx="0" cy="0"/>
+        </a:xfrm>
+      </p:grpSpPr>
+      <p:sp>
+        <p:nvSpPr>
+          <p:cNvPr id="2" name="Slide Image Placeholder 1"/>
+          <p:cNvSpPr>
+            <a:spLocks noGrp="1" noRot="1" noChangeAspect="1"/>
+          </p:cNvSpPr>
+          <p:nvPr>
+            <p:ph type="sldImg"/>
+          </p:nvPr>
+        </p:nvSpPr>
+        <p:spPr/>
+      </p:sp>
+      <p:sp>
+        <p:nvSpPr>
+          <p:cNvPr id="3" name="Notes Placeholder 2"/>
+          <p:cNvSpPr>
+            <a:spLocks noGrp="1"/>
+          </p:cNvSpPr>
+          <p:nvPr>
+            <p:ph type="body" idx="1"/>
+          </p:nvPr>
+        </p:nvSpPr>
+        <p:spPr/>
+        <p:txBody>
+          <a:bodyPr/>
+          <a:lstStyle/>
+          <a:p>
+            <a:endParaRPr lang="en-CN" dirty="0"/>
+          </a:p>
+        </p:txBody>
+      </p:sp>
+      <p:sp>
+        <p:nvSpPr>
+          <p:cNvPr id="4" name="Slide Number Placeholder 3"/>
+          <p:cNvSpPr>
+            <a:spLocks noGrp="1"/>
+          </p:cNvSpPr>
+          <p:nvPr>
+            <p:ph type="sldNum" sz="quarter" idx="5"/>
+          </p:nvPr>
+        </p:nvSpPr>
+        <p:spPr/>
+        <p:txBody>
+          <a:bodyPr/>
+          <a:lstStyle/>
+          <a:p>
+            <a:fld id="{DE81D16D-322F-844F-A853-3586DEF44CF9}" type="slidenum">
+              <a:rPr lang="en-US" smtClean="0"/>
+              <a:t>22</a:t>
+            </a:fld>
+            <a:endParaRPr lang="en-US"/>
+          </a:p>
+        </p:txBody>
+      </p:sp>
+    </p:spTree>
+    <p:extLst>
+      <p:ext uri="{BB962C8B-B14F-4D97-AF65-F5344CB8AC3E}">
+        <p14:creationId xmlns:p14="http://schemas.microsoft.com/office/powerpoint/2010/main" val="383583266"/>
+      </p:ext>
+    </p:extLst>
+  </p:cSld>
+  <p:clrMapOvr>
+    <a:masterClrMapping/>
+  </p:clrMapOvr>
+</p:notes>
+</file>
+
+<file path=ppt/notesSlides/notesSlide4.xml><?xml version="1.0" encoding="utf-8"?>
+<p:notes xmlns:a="http://schemas.openxmlformats.org/drawingml/2006/main" xmlns:r="http://schemas.openxmlformats.org/officeDocument/2006/relationships" xmlns:p="http://schemas.openxmlformats.org/presentationml/2006/main">
+  <p:cSld>
+    <p:spTree>
+      <p:nvGrpSpPr>
+        <p:cNvPr id="1" name=""/>
+        <p:cNvGrpSpPr/>
+        <p:nvPr/>
+      </p:nvGrpSpPr>
+      <p:grpSpPr>
+        <a:xfrm>
+          <a:off x="0" y="0"/>
+          <a:ext cx="0" cy="0"/>
+          <a:chOff x="0" y="0"/>
+          <a:chExt cx="0" cy="0"/>
+        </a:xfrm>
+      </p:grpSpPr>
+      <p:sp>
+        <p:nvSpPr>
+          <p:cNvPr id="2" name="Slide Image Placeholder 1"/>
+          <p:cNvSpPr>
+            <a:spLocks noGrp="1" noRot="1" noChangeAspect="1"/>
+          </p:cNvSpPr>
+          <p:nvPr>
+            <p:ph type="sldImg"/>
+          </p:nvPr>
+        </p:nvSpPr>
+        <p:spPr/>
+      </p:sp>
+      <p:sp>
+        <p:nvSpPr>
+          <p:cNvPr id="3" name="Notes Placeholder 2"/>
+          <p:cNvSpPr>
+            <a:spLocks noGrp="1"/>
+          </p:cNvSpPr>
+          <p:nvPr>
+            <p:ph type="body" idx="1"/>
+          </p:nvPr>
+        </p:nvSpPr>
+        <p:spPr/>
+        <p:txBody>
+          <a:bodyPr/>
+          <a:lstStyle/>
+          <a:p>
+            <a:endParaRPr lang="en-CN" dirty="0"/>
+          </a:p>
+        </p:txBody>
+      </p:sp>
+      <p:sp>
+        <p:nvSpPr>
+          <p:cNvPr id="4" name="Slide Number Placeholder 3"/>
+          <p:cNvSpPr>
+            <a:spLocks noGrp="1"/>
+          </p:cNvSpPr>
+          <p:nvPr>
+            <p:ph type="sldNum" sz="quarter" idx="5"/>
+          </p:nvPr>
+        </p:nvSpPr>
+        <p:spPr/>
+        <p:txBody>
+          <a:bodyPr/>
+          <a:lstStyle/>
+          <a:p>
+            <a:fld id="{DE81D16D-322F-844F-A853-3586DEF44CF9}" type="slidenum">
+              <a:rPr lang="en-US" smtClean="0"/>
+              <a:t>23</a:t>
+            </a:fld>
+            <a:endParaRPr lang="en-US"/>
+          </a:p>
+        </p:txBody>
+      </p:sp>
+    </p:spTree>
+    <p:extLst>
+      <p:ext uri="{BB962C8B-B14F-4D97-AF65-F5344CB8AC3E}">
+        <p14:creationId xmlns:p14="http://schemas.microsoft.com/office/powerpoint/2010/main" val="917528295"/>
+      </p:ext>
+    </p:extLst>
+  </p:cSld>
+  <p:clrMapOvr>
+    <a:masterClrMapping/>
+  </p:clrMapOvr>
+</p:notes>
+</file>
+
 <file path=ppt/slideLayouts/slideLayout1.xml><?xml version="1.0" encoding="utf-8"?>
 <p:sldLayout xmlns:a="http://schemas.openxmlformats.org/drawingml/2006/main" xmlns:r="http://schemas.openxmlformats.org/officeDocument/2006/relationships" xmlns:p="http://schemas.openxmlformats.org/presentationml/2006/main" type="title" preserve="1">
   <p:cSld name="Title Slide">
@@ -790,7 +960,7 @@
           <a:p>
             <a:fld id="{96C716C6-330E-FB4E-98B0-A511746D665E}" type="datetimeFigureOut">
               <a:rPr lang="en-US" smtClean="0"/>
-              <a:t>3/16/24</a:t>
+              <a:t>3/18/24</a:t>
             </a:fld>
             <a:endParaRPr lang="en-US"/>
           </a:p>
@@ -1066,7 +1236,7 @@
           <a:p>
             <a:fld id="{96C716C6-330E-FB4E-98B0-A511746D665E}" type="datetimeFigureOut">
               <a:rPr lang="en-US" smtClean="0"/>
-              <a:t>3/16/24</a:t>
+              <a:t>3/18/24</a:t>
             </a:fld>
             <a:endParaRPr lang="en-US"/>
           </a:p>
@@ -1258,7 +1428,7 @@
           <a:p>
             <a:fld id="{96C716C6-330E-FB4E-98B0-A511746D665E}" type="datetimeFigureOut">
               <a:rPr lang="en-US" smtClean="0"/>
-              <a:t>3/16/24</a:t>
+              <a:t>3/18/24</a:t>
             </a:fld>
             <a:endParaRPr lang="en-US"/>
           </a:p>
@@ -1460,7 +1630,7 @@
           <a:p>
             <a:fld id="{96C716C6-330E-FB4E-98B0-A511746D665E}" type="datetimeFigureOut">
               <a:rPr lang="en-US" smtClean="0"/>
-              <a:t>3/16/24</a:t>
+              <a:t>3/18/24</a:t>
             </a:fld>
             <a:endParaRPr lang="en-US"/>
           </a:p>
@@ -1652,7 +1822,7 @@
           <a:p>
             <a:fld id="{96C716C6-330E-FB4E-98B0-A511746D665E}" type="datetimeFigureOut">
               <a:rPr lang="en-US" smtClean="0"/>
-              <a:t>3/16/24</a:t>
+              <a:t>3/18/24</a:t>
             </a:fld>
             <a:endParaRPr lang="en-US"/>
           </a:p>
@@ -1900,7 +2070,7 @@
           <a:p>
             <a:fld id="{96C716C6-330E-FB4E-98B0-A511746D665E}" type="datetimeFigureOut">
               <a:rPr lang="en-US" smtClean="0"/>
-              <a:t>3/16/24</a:t>
+              <a:t>3/18/24</a:t>
             </a:fld>
             <a:endParaRPr lang="en-US"/>
           </a:p>
@@ -2164,7 +2334,7 @@
           <a:p>
             <a:fld id="{96C716C6-330E-FB4E-98B0-A511746D665E}" type="datetimeFigureOut">
               <a:rPr lang="en-US" smtClean="0"/>
-              <a:t>3/16/24</a:t>
+              <a:t>3/18/24</a:t>
             </a:fld>
             <a:endParaRPr lang="en-US"/>
           </a:p>
@@ -2417,7 +2587,7 @@
           <a:p>
             <a:fld id="{96C716C6-330E-FB4E-98B0-A511746D665E}" type="datetimeFigureOut">
               <a:rPr lang="en-US" smtClean="0"/>
-              <a:t>3/16/24</a:t>
+              <a:t>3/18/24</a:t>
             </a:fld>
             <a:endParaRPr lang="en-US"/>
           </a:p>
@@ -2805,7 +2975,7 @@
           <a:p>
             <a:fld id="{96C716C6-330E-FB4E-98B0-A511746D665E}" type="datetimeFigureOut">
               <a:rPr lang="en-US" smtClean="0"/>
-              <a:t>3/16/24</a:t>
+              <a:t>3/18/24</a:t>
             </a:fld>
             <a:endParaRPr lang="en-US"/>
           </a:p>
@@ -2946,7 +3116,7 @@
           <a:p>
             <a:fld id="{96C716C6-330E-FB4E-98B0-A511746D665E}" type="datetimeFigureOut">
               <a:rPr lang="en-US" smtClean="0"/>
-              <a:t>3/16/24</a:t>
+              <a:t>3/18/24</a:t>
             </a:fld>
             <a:endParaRPr lang="en-US"/>
           </a:p>
@@ -3065,7 +3235,7 @@
           <a:p>
             <a:fld id="{96C716C6-330E-FB4E-98B0-A511746D665E}" type="datetimeFigureOut">
               <a:rPr lang="en-US" smtClean="0"/>
-              <a:t>3/16/24</a:t>
+              <a:t>3/18/24</a:t>
             </a:fld>
             <a:endParaRPr lang="en-US"/>
           </a:p>
@@ -3364,7 +3534,7 @@
           <a:p>
             <a:fld id="{96C716C6-330E-FB4E-98B0-A511746D665E}" type="datetimeFigureOut">
               <a:rPr lang="en-US" smtClean="0"/>
-              <a:t>3/16/24</a:t>
+              <a:t>3/18/24</a:t>
             </a:fld>
             <a:endParaRPr lang="en-US"/>
           </a:p>
@@ -11445,6 +11615,1291 @@
 </file>
 
 <file path=ppt/slides/slide22.xml><?xml version="1.0" encoding="utf-8"?>
+<p:sld xmlns:a="http://schemas.openxmlformats.org/drawingml/2006/main" xmlns:r="http://schemas.openxmlformats.org/officeDocument/2006/relationships" xmlns:p="http://schemas.openxmlformats.org/presentationml/2006/main">
+  <p:cSld>
+    <p:spTree>
+      <p:nvGrpSpPr>
+        <p:cNvPr id="1" name=""/>
+        <p:cNvGrpSpPr/>
+        <p:nvPr/>
+      </p:nvGrpSpPr>
+      <p:grpSpPr>
+        <a:xfrm>
+          <a:off x="0" y="0"/>
+          <a:ext cx="0" cy="0"/>
+          <a:chOff x="0" y="0"/>
+          <a:chExt cx="0" cy="0"/>
+        </a:xfrm>
+      </p:grpSpPr>
+      <p:sp>
+        <p:nvSpPr>
+          <p:cNvPr id="6" name="Title 5"/>
+          <p:cNvSpPr>
+            <a:spLocks noGrp="1"/>
+          </p:cNvSpPr>
+          <p:nvPr>
+            <p:ph type="title"/>
+          </p:nvPr>
+        </p:nvSpPr>
+        <p:spPr>
+          <a:xfrm>
+            <a:off x="838200" y="193964"/>
+            <a:ext cx="10515600" cy="1153574"/>
+          </a:xfrm>
+        </p:spPr>
+        <p:txBody>
+          <a:bodyPr>
+            <a:normAutofit/>
+          </a:bodyPr>
+          <a:lstStyle/>
+          <a:p>
+            <a:pPr>
+              <a:lnSpc>
+                <a:spcPct val="150000"/>
+              </a:lnSpc>
+            </a:pPr>
+            <a:r>
+              <a:rPr lang="zh-CN" altLang="en-US" sz="2400" b="1" dirty="0">
+                <a:latin typeface="Microsoft YaHei" panose="020B0503020204020204" pitchFamily="34" charset="-122"/>
+                <a:ea typeface="Microsoft YaHei" panose="020B0503020204020204" pitchFamily="34" charset="-122"/>
+              </a:rPr>
+              <a:t>案例分析：预处理</a:t>
+            </a:r>
+            <a:br>
+              <a:rPr lang="en-US" altLang="zh-CN" sz="1800" dirty="0">
+                <a:solidFill>
+                  <a:schemeClr val="bg1">
+                    <a:lumMod val="50000"/>
+                  </a:schemeClr>
+                </a:solidFill>
+              </a:rPr>
+            </a:br>
+            <a:r>
+              <a:rPr lang="en-US" altLang="zh-CN" sz="1800" dirty="0">
+                <a:solidFill>
+                  <a:srgbClr val="0070C0"/>
+                </a:solidFill>
+                <a:latin typeface="Pristina" panose="020F0502020204030204" pitchFamily="34" charset="0"/>
+              </a:rPr>
+              <a:t>Case:</a:t>
+            </a:r>
+            <a:r>
+              <a:rPr lang="zh-CN" altLang="en-US" sz="1800" dirty="0">
+                <a:solidFill>
+                  <a:srgbClr val="0070C0"/>
+                </a:solidFill>
+                <a:latin typeface="Pristina" panose="020F0502020204030204" pitchFamily="34" charset="0"/>
+              </a:rPr>
+              <a:t>  二分类案例分析</a:t>
+            </a:r>
+            <a:endParaRPr lang="en-US" sz="1800" dirty="0">
+              <a:solidFill>
+                <a:srgbClr val="0070C0"/>
+              </a:solidFill>
+              <a:latin typeface="Pristina" panose="020F0502020204030204" pitchFamily="34" charset="0"/>
+              <a:cs typeface="Pristina" panose="020F0502020204030204" pitchFamily="34" charset="0"/>
+            </a:endParaRPr>
+          </a:p>
+        </p:txBody>
+      </p:sp>
+      <p:sp>
+        <p:nvSpPr>
+          <p:cNvPr id="7" name="Content Placeholder 6"/>
+          <p:cNvSpPr>
+            <a:spLocks noGrp="1"/>
+          </p:cNvSpPr>
+          <p:nvPr>
+            <p:ph idx="1"/>
+          </p:nvPr>
+        </p:nvSpPr>
+        <p:spPr>
+          <a:xfrm>
+            <a:off x="838200" y="1472665"/>
+            <a:ext cx="10515600" cy="4704298"/>
+          </a:xfrm>
+        </p:spPr>
+        <p:txBody>
+          <a:bodyPr>
+            <a:normAutofit/>
+          </a:bodyPr>
+          <a:lstStyle/>
+          <a:p>
+            <a:pPr marL="0" indent="0">
+              <a:lnSpc>
+                <a:spcPct val="150000"/>
+              </a:lnSpc>
+              <a:buNone/>
+            </a:pPr>
+            <a:r>
+              <a:rPr lang="zh-CN" altLang="en-US" sz="2000" dirty="0">
+                <a:solidFill>
+                  <a:schemeClr val="bg2">
+                    <a:lumMod val="25000"/>
+                  </a:schemeClr>
+                </a:solidFill>
+              </a:rPr>
+              <a:t>预处理关键点</a:t>
+            </a:r>
+            <a:endParaRPr lang="en-US" altLang="zh-CN" sz="2000" dirty="0">
+              <a:solidFill>
+                <a:schemeClr val="bg2">
+                  <a:lumMod val="25000"/>
+                </a:schemeClr>
+              </a:solidFill>
+            </a:endParaRPr>
+          </a:p>
+          <a:p>
+            <a:pPr>
+              <a:lnSpc>
+                <a:spcPct val="150000"/>
+              </a:lnSpc>
+            </a:pPr>
+            <a:r>
+              <a:rPr lang="zh-CN" altLang="en-US" sz="1800" dirty="0">
+                <a:solidFill>
+                  <a:schemeClr val="bg2">
+                    <a:lumMod val="25000"/>
+                  </a:schemeClr>
+                </a:solidFill>
+              </a:rPr>
+              <a:t>将类别特征和数值特征分开的处理模式</a:t>
+            </a:r>
+            <a:br>
+              <a:rPr lang="en-US" altLang="zh-CN" sz="1800" dirty="0">
+                <a:solidFill>
+                  <a:schemeClr val="bg2">
+                    <a:lumMod val="25000"/>
+                  </a:schemeClr>
+                </a:solidFill>
+              </a:rPr>
+            </a:br>
+            <a:r>
+              <a:rPr lang="en-US" sz="1200" dirty="0" err="1">
+                <a:solidFill>
+                  <a:srgbClr val="000000"/>
+                </a:solidFill>
+                <a:effectLst/>
+                <a:highlight>
+                  <a:srgbClr val="FFFFFF"/>
+                </a:highlight>
+              </a:rPr>
+              <a:t>all_features</a:t>
+            </a:r>
+            <a:r>
+              <a:rPr lang="en-US" sz="1200" dirty="0">
+                <a:solidFill>
+                  <a:srgbClr val="000000"/>
+                </a:solidFill>
+                <a:effectLst/>
+                <a:highlight>
+                  <a:srgbClr val="FFFFFF"/>
+                </a:highlight>
+              </a:rPr>
+              <a:t> </a:t>
+            </a:r>
+            <a:r>
+              <a:rPr lang="en-US" sz="1200" dirty="0">
+                <a:solidFill>
+                  <a:srgbClr val="080808"/>
+                </a:solidFill>
+                <a:effectLst/>
+                <a:highlight>
+                  <a:srgbClr val="FFFFFF"/>
+                </a:highlight>
+              </a:rPr>
+              <a:t>= </a:t>
+            </a:r>
+            <a:r>
+              <a:rPr lang="en-US" sz="1200" dirty="0" err="1">
+                <a:solidFill>
+                  <a:srgbClr val="000000"/>
+                </a:solidFill>
+                <a:effectLst/>
+                <a:highlight>
+                  <a:srgbClr val="FFFFFF"/>
+                </a:highlight>
+              </a:rPr>
+              <a:t>x</a:t>
+            </a:r>
+            <a:r>
+              <a:rPr lang="en-US" sz="1200" dirty="0" err="1">
+                <a:solidFill>
+                  <a:srgbClr val="080808"/>
+                </a:solidFill>
+                <a:effectLst/>
+                <a:highlight>
+                  <a:srgbClr val="FFFFFF"/>
+                </a:highlight>
+              </a:rPr>
+              <a:t>.columns.values.tolist</a:t>
+            </a:r>
+            <a:r>
+              <a:rPr lang="en-US" sz="1200" dirty="0">
+                <a:solidFill>
+                  <a:srgbClr val="080808"/>
+                </a:solidFill>
+                <a:effectLst/>
+                <a:highlight>
+                  <a:srgbClr val="FFFFFF"/>
+                </a:highlight>
+              </a:rPr>
+              <a:t>()</a:t>
+            </a:r>
+            <a:br>
+              <a:rPr lang="en-US" sz="1200" dirty="0">
+                <a:solidFill>
+                  <a:srgbClr val="080808"/>
+                </a:solidFill>
+                <a:effectLst/>
+                <a:highlight>
+                  <a:srgbClr val="FFFFFF"/>
+                </a:highlight>
+              </a:rPr>
+            </a:br>
+            <a:r>
+              <a:rPr lang="en-US" sz="1200" dirty="0" err="1">
+                <a:solidFill>
+                  <a:srgbClr val="000000"/>
+                </a:solidFill>
+                <a:effectLst/>
+                <a:highlight>
+                  <a:srgbClr val="FFFFFF"/>
+                </a:highlight>
+              </a:rPr>
+              <a:t>numerical_features</a:t>
+            </a:r>
+            <a:r>
+              <a:rPr lang="en-US" sz="1200" dirty="0">
+                <a:solidFill>
+                  <a:srgbClr val="000000"/>
+                </a:solidFill>
+                <a:effectLst/>
+                <a:highlight>
+                  <a:srgbClr val="FFFFFF"/>
+                </a:highlight>
+              </a:rPr>
+              <a:t> </a:t>
+            </a:r>
+            <a:r>
+              <a:rPr lang="en-US" sz="1200" dirty="0">
+                <a:solidFill>
+                  <a:srgbClr val="080808"/>
+                </a:solidFill>
+                <a:effectLst/>
+                <a:highlight>
+                  <a:srgbClr val="FFFFFF"/>
+                </a:highlight>
+              </a:rPr>
+              <a:t>= [</a:t>
+            </a:r>
+            <a:r>
+              <a:rPr lang="en-US" sz="1200" dirty="0" err="1">
+                <a:solidFill>
+                  <a:srgbClr val="000000"/>
+                </a:solidFill>
+                <a:effectLst/>
+                <a:highlight>
+                  <a:srgbClr val="FFFFFF"/>
+                </a:highlight>
+              </a:rPr>
+              <a:t>i</a:t>
+            </a:r>
+            <a:r>
+              <a:rPr lang="en-US" sz="1200" dirty="0">
+                <a:solidFill>
+                  <a:srgbClr val="000000"/>
+                </a:solidFill>
+                <a:effectLst/>
+                <a:highlight>
+                  <a:srgbClr val="FFFFFF"/>
+                </a:highlight>
+              </a:rPr>
+              <a:t> </a:t>
+            </a:r>
+            <a:r>
+              <a:rPr lang="en-US" sz="1200" dirty="0">
+                <a:solidFill>
+                  <a:srgbClr val="0033B3"/>
+                </a:solidFill>
+                <a:effectLst/>
+                <a:highlight>
+                  <a:srgbClr val="FFFFFF"/>
+                </a:highlight>
+              </a:rPr>
+              <a:t>for </a:t>
+            </a:r>
+            <a:r>
+              <a:rPr lang="en-US" sz="1200" dirty="0" err="1">
+                <a:solidFill>
+                  <a:srgbClr val="080808"/>
+                </a:solidFill>
+                <a:effectLst/>
+                <a:highlight>
+                  <a:srgbClr val="FFFFFF"/>
+                </a:highlight>
+              </a:rPr>
+              <a:t>i</a:t>
+            </a:r>
+            <a:r>
+              <a:rPr lang="en-US" sz="1200" dirty="0">
+                <a:solidFill>
+                  <a:srgbClr val="080808"/>
+                </a:solidFill>
+                <a:effectLst/>
+                <a:highlight>
+                  <a:srgbClr val="FFFFFF"/>
+                </a:highlight>
+              </a:rPr>
+              <a:t> </a:t>
+            </a:r>
+            <a:r>
+              <a:rPr lang="en-US" sz="1200" dirty="0">
+                <a:solidFill>
+                  <a:srgbClr val="0033B3"/>
+                </a:solidFill>
+                <a:effectLst/>
+                <a:highlight>
+                  <a:srgbClr val="FFFFFF"/>
+                </a:highlight>
+              </a:rPr>
+              <a:t>in </a:t>
+            </a:r>
+            <a:r>
+              <a:rPr lang="en-US" sz="1200" dirty="0" err="1">
+                <a:solidFill>
+                  <a:srgbClr val="000000"/>
+                </a:solidFill>
+                <a:effectLst/>
+                <a:highlight>
+                  <a:srgbClr val="FFFFFF"/>
+                </a:highlight>
+              </a:rPr>
+              <a:t>all_features</a:t>
+            </a:r>
+            <a:r>
+              <a:rPr lang="en-US" sz="1200" dirty="0">
+                <a:solidFill>
+                  <a:srgbClr val="000000"/>
+                </a:solidFill>
+                <a:effectLst/>
+                <a:highlight>
+                  <a:srgbClr val="FFFFFF"/>
+                </a:highlight>
+              </a:rPr>
+              <a:t> </a:t>
+            </a:r>
+            <a:r>
+              <a:rPr lang="en-US" sz="1200" dirty="0">
+                <a:solidFill>
+                  <a:srgbClr val="0033B3"/>
+                </a:solidFill>
+                <a:effectLst/>
+                <a:highlight>
+                  <a:srgbClr val="FFFFFF"/>
+                </a:highlight>
+              </a:rPr>
+              <a:t>if </a:t>
+            </a:r>
+            <a:r>
+              <a:rPr lang="en-US" sz="1200" dirty="0" err="1">
+                <a:solidFill>
+                  <a:srgbClr val="000000"/>
+                </a:solidFill>
+                <a:effectLst/>
+                <a:highlight>
+                  <a:srgbClr val="FFFFFF"/>
+                </a:highlight>
+              </a:rPr>
+              <a:t>i</a:t>
+            </a:r>
+            <a:r>
+              <a:rPr lang="en-US" sz="1200" dirty="0">
+                <a:solidFill>
+                  <a:srgbClr val="000000"/>
+                </a:solidFill>
+                <a:effectLst/>
+                <a:highlight>
+                  <a:srgbClr val="FFFFFF"/>
+                </a:highlight>
+              </a:rPr>
+              <a:t> </a:t>
+            </a:r>
+            <a:r>
+              <a:rPr lang="en-US" sz="1200" dirty="0">
+                <a:solidFill>
+                  <a:srgbClr val="0033B3"/>
+                </a:solidFill>
+                <a:effectLst/>
+                <a:highlight>
+                  <a:srgbClr val="FFFFFF"/>
+                </a:highlight>
+              </a:rPr>
+              <a:t>not in </a:t>
+            </a:r>
+            <a:r>
+              <a:rPr lang="en-US" sz="1200" dirty="0" err="1">
+                <a:solidFill>
+                  <a:srgbClr val="000000"/>
+                </a:solidFill>
+                <a:effectLst/>
+                <a:highlight>
+                  <a:srgbClr val="FFFFFF"/>
+                </a:highlight>
+              </a:rPr>
+              <a:t>categorical_features</a:t>
+            </a:r>
+            <a:r>
+              <a:rPr lang="en-US" sz="1200" dirty="0">
+                <a:solidFill>
+                  <a:srgbClr val="080808"/>
+                </a:solidFill>
+                <a:effectLst/>
+                <a:highlight>
+                  <a:srgbClr val="FFFFFF"/>
+                </a:highlight>
+              </a:rPr>
+              <a:t>]</a:t>
+            </a:r>
+          </a:p>
+          <a:p>
+            <a:pPr>
+              <a:lnSpc>
+                <a:spcPct val="150000"/>
+              </a:lnSpc>
+            </a:pPr>
+            <a:r>
+              <a:rPr lang="zh-CN" altLang="en-US" sz="1800" dirty="0">
+                <a:solidFill>
+                  <a:schemeClr val="bg2">
+                    <a:lumMod val="25000"/>
+                  </a:schemeClr>
+                </a:solidFill>
+              </a:rPr>
+              <a:t>使用 </a:t>
+            </a:r>
+            <a:r>
+              <a:rPr lang="en-US" altLang="zh-CN" sz="1800" dirty="0" err="1">
+                <a:solidFill>
+                  <a:schemeClr val="bg2">
+                    <a:lumMod val="25000"/>
+                  </a:schemeClr>
+                </a:solidFill>
+              </a:rPr>
+              <a:t>ColumnTransformer</a:t>
+            </a:r>
+            <a:r>
+              <a:rPr lang="zh-CN" altLang="en-US" sz="1800" dirty="0">
+                <a:solidFill>
+                  <a:schemeClr val="bg2">
+                    <a:lumMod val="25000"/>
+                  </a:schemeClr>
+                </a:solidFill>
+              </a:rPr>
+              <a:t> 类搭建不同的 </a:t>
+            </a:r>
+            <a:r>
+              <a:rPr lang="en-US" altLang="zh-CN" sz="1800" dirty="0">
+                <a:solidFill>
+                  <a:schemeClr val="bg2">
+                    <a:lumMod val="25000"/>
+                  </a:schemeClr>
+                </a:solidFill>
+              </a:rPr>
+              <a:t>Pipeline</a:t>
+            </a:r>
+            <a:r>
+              <a:rPr lang="zh-CN" altLang="en-US" sz="1800" dirty="0">
+                <a:solidFill>
+                  <a:schemeClr val="bg2">
+                    <a:lumMod val="25000"/>
+                  </a:schemeClr>
+                </a:solidFill>
+              </a:rPr>
+              <a:t> 处理不同特征</a:t>
+            </a:r>
+            <a:br>
+              <a:rPr lang="en-US" altLang="zh-CN" sz="1800" dirty="0">
+                <a:solidFill>
+                  <a:schemeClr val="bg2">
+                    <a:lumMod val="25000"/>
+                  </a:schemeClr>
+                </a:solidFill>
+              </a:rPr>
+            </a:br>
+            <a:r>
+              <a:rPr lang="en-US" sz="1200" dirty="0">
+                <a:solidFill>
+                  <a:srgbClr val="000000"/>
+                </a:solidFill>
+                <a:effectLst/>
+                <a:highlight>
+                  <a:srgbClr val="FFFFFF"/>
+                </a:highlight>
+              </a:rPr>
+              <a:t>preprocessor </a:t>
+            </a:r>
+            <a:r>
+              <a:rPr lang="en-US" sz="1200" dirty="0">
+                <a:solidFill>
+                  <a:srgbClr val="080808"/>
+                </a:solidFill>
+                <a:effectLst/>
+                <a:highlight>
+                  <a:srgbClr val="FFFFFF"/>
+                </a:highlight>
+              </a:rPr>
+              <a:t>= </a:t>
+            </a:r>
+            <a:r>
+              <a:rPr lang="en-US" sz="1200" dirty="0" err="1">
+                <a:solidFill>
+                  <a:srgbClr val="080808"/>
+                </a:solidFill>
+                <a:effectLst/>
+                <a:highlight>
+                  <a:srgbClr val="FFFFFF"/>
+                </a:highlight>
+              </a:rPr>
+              <a:t>ColumnTransformer</a:t>
+            </a:r>
+            <a:r>
+              <a:rPr lang="en-US" sz="1200" dirty="0">
+                <a:solidFill>
+                  <a:srgbClr val="080808"/>
+                </a:solidFill>
+                <a:effectLst/>
+                <a:highlight>
+                  <a:srgbClr val="FFFFFF"/>
+                </a:highlight>
+              </a:rPr>
+              <a:t>([</a:t>
+            </a:r>
+            <a:br>
+              <a:rPr lang="en-US" sz="1200" dirty="0">
+                <a:solidFill>
+                  <a:srgbClr val="080808"/>
+                </a:solidFill>
+                <a:effectLst/>
+                <a:highlight>
+                  <a:srgbClr val="FFFFFF"/>
+                </a:highlight>
+              </a:rPr>
+            </a:br>
+            <a:r>
+              <a:rPr lang="en-US" sz="1200" dirty="0">
+                <a:solidFill>
+                  <a:srgbClr val="080808"/>
+                </a:solidFill>
+                <a:effectLst/>
+                <a:highlight>
+                  <a:srgbClr val="FFFFFF"/>
+                </a:highlight>
+              </a:rPr>
+              <a:t>    (</a:t>
+            </a:r>
+            <a:r>
+              <a:rPr lang="en-US" sz="1200" dirty="0">
+                <a:solidFill>
+                  <a:srgbClr val="067D17"/>
+                </a:solidFill>
+                <a:effectLst/>
+                <a:highlight>
+                  <a:srgbClr val="FFFFFF"/>
+                </a:highlight>
+              </a:rPr>
+              <a:t>'cat'</a:t>
+            </a:r>
+            <a:r>
+              <a:rPr lang="en-US" sz="1200" dirty="0">
+                <a:solidFill>
+                  <a:srgbClr val="080808"/>
+                </a:solidFill>
+                <a:effectLst/>
+                <a:highlight>
+                  <a:srgbClr val="FFFFFF"/>
+                </a:highlight>
+              </a:rPr>
+              <a:t>, </a:t>
+            </a:r>
+            <a:r>
+              <a:rPr lang="en-US" sz="1200" dirty="0" err="1">
+                <a:solidFill>
+                  <a:srgbClr val="000000"/>
+                </a:solidFill>
+                <a:effectLst/>
+                <a:highlight>
+                  <a:srgbClr val="FFFFFF"/>
+                </a:highlight>
+              </a:rPr>
+              <a:t>pipe_cat</a:t>
+            </a:r>
+            <a:r>
+              <a:rPr lang="en-US" sz="1200" dirty="0">
+                <a:solidFill>
+                  <a:srgbClr val="080808"/>
+                </a:solidFill>
+                <a:effectLst/>
+                <a:highlight>
+                  <a:srgbClr val="FFFFFF"/>
+                </a:highlight>
+              </a:rPr>
+              <a:t>, </a:t>
+            </a:r>
+            <a:r>
+              <a:rPr lang="en-US" sz="1200" dirty="0" err="1">
+                <a:solidFill>
+                  <a:srgbClr val="000000"/>
+                </a:solidFill>
+                <a:effectLst/>
+                <a:highlight>
+                  <a:srgbClr val="FFFFFF"/>
+                </a:highlight>
+              </a:rPr>
+              <a:t>categorical_features</a:t>
+            </a:r>
+            <a:r>
+              <a:rPr lang="en-US" sz="1200" dirty="0">
+                <a:solidFill>
+                  <a:srgbClr val="080808"/>
+                </a:solidFill>
+                <a:effectLst/>
+                <a:highlight>
+                  <a:srgbClr val="FFFFFF"/>
+                </a:highlight>
+              </a:rPr>
+              <a:t>),</a:t>
+            </a:r>
+            <a:br>
+              <a:rPr lang="en-US" sz="1200" dirty="0">
+                <a:solidFill>
+                  <a:srgbClr val="080808"/>
+                </a:solidFill>
+                <a:effectLst/>
+                <a:highlight>
+                  <a:srgbClr val="FFFFFF"/>
+                </a:highlight>
+              </a:rPr>
+            </a:br>
+            <a:r>
+              <a:rPr lang="en-US" sz="1200" dirty="0">
+                <a:solidFill>
+                  <a:srgbClr val="080808"/>
+                </a:solidFill>
+                <a:effectLst/>
+                <a:highlight>
+                  <a:srgbClr val="FFFFFF"/>
+                </a:highlight>
+              </a:rPr>
+              <a:t>    (</a:t>
+            </a:r>
+            <a:r>
+              <a:rPr lang="en-US" sz="1200" dirty="0">
+                <a:solidFill>
+                  <a:srgbClr val="067D17"/>
+                </a:solidFill>
+                <a:effectLst/>
+                <a:highlight>
+                  <a:srgbClr val="FFFFFF"/>
+                </a:highlight>
+              </a:rPr>
+              <a:t>'num'</a:t>
+            </a:r>
+            <a:r>
+              <a:rPr lang="en-US" sz="1200" dirty="0">
+                <a:solidFill>
+                  <a:srgbClr val="080808"/>
+                </a:solidFill>
+                <a:effectLst/>
+                <a:highlight>
+                  <a:srgbClr val="FFFFFF"/>
+                </a:highlight>
+              </a:rPr>
+              <a:t>, </a:t>
+            </a:r>
+            <a:r>
+              <a:rPr lang="en-US" sz="1200" dirty="0" err="1">
+                <a:solidFill>
+                  <a:srgbClr val="000000"/>
+                </a:solidFill>
+                <a:effectLst/>
+                <a:highlight>
+                  <a:srgbClr val="FFFFFF"/>
+                </a:highlight>
+              </a:rPr>
+              <a:t>pipe_num</a:t>
+            </a:r>
+            <a:r>
+              <a:rPr lang="en-US" sz="1200" dirty="0">
+                <a:solidFill>
+                  <a:srgbClr val="080808"/>
+                </a:solidFill>
+                <a:effectLst/>
+                <a:highlight>
+                  <a:srgbClr val="FFFFFF"/>
+                </a:highlight>
+              </a:rPr>
+              <a:t>, </a:t>
+            </a:r>
+            <a:r>
+              <a:rPr lang="en-US" sz="1200" dirty="0" err="1">
+                <a:solidFill>
+                  <a:srgbClr val="000000"/>
+                </a:solidFill>
+                <a:effectLst/>
+                <a:highlight>
+                  <a:srgbClr val="FFFFFF"/>
+                </a:highlight>
+              </a:rPr>
+              <a:t>numerical_features</a:t>
+            </a:r>
+            <a:r>
+              <a:rPr lang="en-US" sz="1200" dirty="0">
+                <a:solidFill>
+                  <a:srgbClr val="080808"/>
+                </a:solidFill>
+                <a:effectLst/>
+                <a:highlight>
+                  <a:srgbClr val="FFFFFF"/>
+                </a:highlight>
+              </a:rPr>
+              <a:t>)</a:t>
+            </a:r>
+            <a:br>
+              <a:rPr lang="en-US" sz="1200" dirty="0">
+                <a:solidFill>
+                  <a:srgbClr val="080808"/>
+                </a:solidFill>
+                <a:effectLst/>
+                <a:highlight>
+                  <a:srgbClr val="FFFFFF"/>
+                </a:highlight>
+              </a:rPr>
+            </a:br>
+            <a:r>
+              <a:rPr lang="en-US" sz="1200" dirty="0">
+                <a:solidFill>
+                  <a:srgbClr val="080808"/>
+                </a:solidFill>
+                <a:effectLst/>
+                <a:highlight>
+                  <a:srgbClr val="FFFFFF"/>
+                </a:highlight>
+              </a:rPr>
+              <a:t>])</a:t>
+            </a:r>
+          </a:p>
+          <a:p>
+            <a:pPr>
+              <a:lnSpc>
+                <a:spcPct val="150000"/>
+              </a:lnSpc>
+            </a:pPr>
+            <a:r>
+              <a:rPr lang="zh-CN" altLang="en-US" sz="1800" dirty="0">
+                <a:solidFill>
+                  <a:schemeClr val="bg2">
+                    <a:lumMod val="25000"/>
+                  </a:schemeClr>
+                </a:solidFill>
+              </a:rPr>
+              <a:t>目标列的标签化处理</a:t>
+            </a:r>
+            <a:br>
+              <a:rPr lang="en-US" altLang="zh-CN" sz="1800" dirty="0">
+                <a:solidFill>
+                  <a:schemeClr val="bg2">
+                    <a:lumMod val="25000"/>
+                  </a:schemeClr>
+                </a:solidFill>
+              </a:rPr>
+            </a:br>
+            <a:r>
+              <a:rPr lang="en-US" sz="1200" dirty="0" err="1">
+                <a:solidFill>
+                  <a:srgbClr val="000000"/>
+                </a:solidFill>
+                <a:effectLst/>
+                <a:highlight>
+                  <a:srgbClr val="FFFFFF"/>
+                </a:highlight>
+              </a:rPr>
+              <a:t>df_x</a:t>
+            </a:r>
+            <a:r>
+              <a:rPr lang="en-US" sz="1200" dirty="0">
+                <a:solidFill>
+                  <a:srgbClr val="000000"/>
+                </a:solidFill>
+                <a:effectLst/>
+                <a:highlight>
+                  <a:srgbClr val="FFFFFF"/>
+                </a:highlight>
+              </a:rPr>
+              <a:t> </a:t>
+            </a:r>
+            <a:r>
+              <a:rPr lang="en-US" sz="1200" dirty="0">
+                <a:solidFill>
+                  <a:srgbClr val="080808"/>
+                </a:solidFill>
+                <a:effectLst/>
+                <a:highlight>
+                  <a:srgbClr val="FFFFFF"/>
+                </a:highlight>
+              </a:rPr>
+              <a:t>= </a:t>
+            </a:r>
+            <a:r>
+              <a:rPr lang="en-US" sz="1200" dirty="0" err="1">
+                <a:solidFill>
+                  <a:srgbClr val="000000"/>
+                </a:solidFill>
+                <a:effectLst/>
+                <a:highlight>
+                  <a:srgbClr val="FFFFFF"/>
+                </a:highlight>
+              </a:rPr>
+              <a:t>df_train</a:t>
+            </a:r>
+            <a:r>
+              <a:rPr lang="en-US" sz="1200" dirty="0" err="1">
+                <a:solidFill>
+                  <a:srgbClr val="080808"/>
+                </a:solidFill>
+                <a:effectLst/>
+                <a:highlight>
+                  <a:srgbClr val="FFFFFF"/>
+                </a:highlight>
+              </a:rPr>
+              <a:t>.drop</a:t>
+            </a:r>
+            <a:r>
+              <a:rPr lang="en-US" sz="1200" dirty="0">
+                <a:solidFill>
+                  <a:srgbClr val="080808"/>
+                </a:solidFill>
+                <a:effectLst/>
+                <a:highlight>
+                  <a:srgbClr val="FFFFFF"/>
+                </a:highlight>
+              </a:rPr>
+              <a:t>(</a:t>
+            </a:r>
+            <a:r>
+              <a:rPr lang="en-US" sz="1200" dirty="0" err="1">
+                <a:solidFill>
+                  <a:srgbClr val="000000"/>
+                </a:solidFill>
+                <a:effectLst/>
+                <a:highlight>
+                  <a:srgbClr val="FFFFFF"/>
+                </a:highlight>
+              </a:rPr>
+              <a:t>f_target</a:t>
+            </a:r>
+            <a:r>
+              <a:rPr lang="en-US" sz="1200" dirty="0">
+                <a:solidFill>
+                  <a:srgbClr val="080808"/>
+                </a:solidFill>
+                <a:effectLst/>
+                <a:highlight>
+                  <a:srgbClr val="FFFFFF"/>
+                </a:highlight>
+              </a:rPr>
+              <a:t>, </a:t>
+            </a:r>
+            <a:r>
+              <a:rPr lang="en-US" sz="1200" dirty="0">
+                <a:solidFill>
+                  <a:srgbClr val="660099"/>
+                </a:solidFill>
+                <a:effectLst/>
+                <a:highlight>
+                  <a:srgbClr val="FFFFFF"/>
+                </a:highlight>
+              </a:rPr>
+              <a:t>axis</a:t>
+            </a:r>
+            <a:r>
+              <a:rPr lang="en-US" sz="1200" dirty="0">
+                <a:solidFill>
+                  <a:srgbClr val="080808"/>
+                </a:solidFill>
+                <a:effectLst/>
+                <a:highlight>
+                  <a:srgbClr val="FFFFFF"/>
+                </a:highlight>
+              </a:rPr>
+              <a:t>=</a:t>
+            </a:r>
+            <a:r>
+              <a:rPr lang="en-US" sz="1200" dirty="0">
+                <a:solidFill>
+                  <a:srgbClr val="1750EB"/>
+                </a:solidFill>
+                <a:effectLst/>
+                <a:highlight>
+                  <a:srgbClr val="FFFFFF"/>
+                </a:highlight>
+              </a:rPr>
+              <a:t>1</a:t>
+            </a:r>
+            <a:r>
+              <a:rPr lang="en-US" sz="1200" dirty="0">
+                <a:solidFill>
+                  <a:srgbClr val="080808"/>
+                </a:solidFill>
+                <a:effectLst/>
+                <a:highlight>
+                  <a:srgbClr val="FFFFFF"/>
+                </a:highlight>
+              </a:rPr>
+              <a:t>)</a:t>
+            </a:r>
+            <a:br>
+              <a:rPr lang="en-US" altLang="zh-CN" sz="1800" dirty="0">
+                <a:solidFill>
+                  <a:schemeClr val="bg2">
+                    <a:lumMod val="25000"/>
+                  </a:schemeClr>
+                </a:solidFill>
+              </a:rPr>
+            </a:br>
+            <a:endParaRPr lang="en-US" altLang="zh-CN" sz="1800" dirty="0">
+              <a:solidFill>
+                <a:schemeClr val="bg2">
+                  <a:lumMod val="25000"/>
+                </a:schemeClr>
+              </a:solidFill>
+            </a:endParaRPr>
+          </a:p>
+        </p:txBody>
+      </p:sp>
+    </p:spTree>
+    <p:extLst>
+      <p:ext uri="{BB962C8B-B14F-4D97-AF65-F5344CB8AC3E}">
+        <p14:creationId xmlns:p14="http://schemas.microsoft.com/office/powerpoint/2010/main" val="2291722156"/>
+      </p:ext>
+    </p:extLst>
+  </p:cSld>
+  <p:clrMapOvr>
+    <a:masterClrMapping/>
+  </p:clrMapOvr>
+</p:sld>
+</file>
+
+<file path=ppt/slides/slide23.xml><?xml version="1.0" encoding="utf-8"?>
+<p:sld xmlns:a="http://schemas.openxmlformats.org/drawingml/2006/main" xmlns:r="http://schemas.openxmlformats.org/officeDocument/2006/relationships" xmlns:p="http://schemas.openxmlformats.org/presentationml/2006/main">
+  <p:cSld>
+    <p:spTree>
+      <p:nvGrpSpPr>
+        <p:cNvPr id="1" name=""/>
+        <p:cNvGrpSpPr/>
+        <p:nvPr/>
+      </p:nvGrpSpPr>
+      <p:grpSpPr>
+        <a:xfrm>
+          <a:off x="0" y="0"/>
+          <a:ext cx="0" cy="0"/>
+          <a:chOff x="0" y="0"/>
+          <a:chExt cx="0" cy="0"/>
+        </a:xfrm>
+      </p:grpSpPr>
+      <p:sp>
+        <p:nvSpPr>
+          <p:cNvPr id="6" name="Title 5"/>
+          <p:cNvSpPr>
+            <a:spLocks noGrp="1"/>
+          </p:cNvSpPr>
+          <p:nvPr>
+            <p:ph type="title"/>
+          </p:nvPr>
+        </p:nvSpPr>
+        <p:spPr>
+          <a:xfrm>
+            <a:off x="838200" y="193964"/>
+            <a:ext cx="10515600" cy="1153574"/>
+          </a:xfrm>
+        </p:spPr>
+        <p:txBody>
+          <a:bodyPr>
+            <a:normAutofit/>
+          </a:bodyPr>
+          <a:lstStyle/>
+          <a:p>
+            <a:pPr>
+              <a:lnSpc>
+                <a:spcPct val="150000"/>
+              </a:lnSpc>
+            </a:pPr>
+            <a:r>
+              <a:rPr lang="zh-CN" altLang="en-US" sz="2400" b="1" dirty="0">
+                <a:latin typeface="Microsoft YaHei" panose="020B0503020204020204" pitchFamily="34" charset="-122"/>
+                <a:ea typeface="Microsoft YaHei" panose="020B0503020204020204" pitchFamily="34" charset="-122"/>
+              </a:rPr>
+              <a:t>案例分析：预处理</a:t>
+            </a:r>
+            <a:br>
+              <a:rPr lang="en-US" altLang="zh-CN" sz="1800" dirty="0">
+                <a:solidFill>
+                  <a:schemeClr val="bg1">
+                    <a:lumMod val="50000"/>
+                  </a:schemeClr>
+                </a:solidFill>
+              </a:rPr>
+            </a:br>
+            <a:r>
+              <a:rPr lang="en-US" altLang="zh-CN" sz="1800" dirty="0">
+                <a:solidFill>
+                  <a:srgbClr val="0070C0"/>
+                </a:solidFill>
+                <a:latin typeface="Pristina" panose="020F0502020204030204" pitchFamily="34" charset="0"/>
+              </a:rPr>
+              <a:t>Case:</a:t>
+            </a:r>
+            <a:r>
+              <a:rPr lang="zh-CN" altLang="en-US" sz="1800" dirty="0">
+                <a:solidFill>
+                  <a:srgbClr val="0070C0"/>
+                </a:solidFill>
+                <a:latin typeface="Pristina" panose="020F0502020204030204" pitchFamily="34" charset="0"/>
+              </a:rPr>
+              <a:t>  二分类案例分析</a:t>
+            </a:r>
+            <a:endParaRPr lang="en-US" sz="1800" dirty="0">
+              <a:solidFill>
+                <a:srgbClr val="0070C0"/>
+              </a:solidFill>
+              <a:latin typeface="Pristina" panose="020F0502020204030204" pitchFamily="34" charset="0"/>
+              <a:cs typeface="Pristina" panose="020F0502020204030204" pitchFamily="34" charset="0"/>
+            </a:endParaRPr>
+          </a:p>
+        </p:txBody>
+      </p:sp>
+      <p:sp>
+        <p:nvSpPr>
+          <p:cNvPr id="7" name="Content Placeholder 6"/>
+          <p:cNvSpPr>
+            <a:spLocks noGrp="1"/>
+          </p:cNvSpPr>
+          <p:nvPr>
+            <p:ph idx="1"/>
+          </p:nvPr>
+        </p:nvSpPr>
+        <p:spPr>
+          <a:xfrm>
+            <a:off x="838200" y="1472665"/>
+            <a:ext cx="10515600" cy="4704298"/>
+          </a:xfrm>
+        </p:spPr>
+        <p:txBody>
+          <a:bodyPr>
+            <a:normAutofit/>
+          </a:bodyPr>
+          <a:lstStyle/>
+          <a:p>
+            <a:pPr marL="0" indent="0">
+              <a:lnSpc>
+                <a:spcPct val="150000"/>
+              </a:lnSpc>
+              <a:buNone/>
+            </a:pPr>
+            <a:r>
+              <a:rPr lang="en-US" altLang="zh-CN" sz="2000" dirty="0" err="1">
+                <a:solidFill>
+                  <a:schemeClr val="bg2">
+                    <a:lumMod val="25000"/>
+                  </a:schemeClr>
+                </a:solidFill>
+              </a:rPr>
+              <a:t>ColumnTransformer</a:t>
+            </a:r>
+            <a:endParaRPr lang="en-US" altLang="zh-CN" sz="2000" dirty="0">
+              <a:solidFill>
+                <a:schemeClr val="bg2">
+                  <a:lumMod val="25000"/>
+                </a:schemeClr>
+              </a:solidFill>
+            </a:endParaRPr>
+          </a:p>
+          <a:p>
+            <a:pPr marL="0" indent="0">
+              <a:lnSpc>
+                <a:spcPct val="150000"/>
+              </a:lnSpc>
+              <a:buNone/>
+            </a:pPr>
+            <a:r>
+              <a:rPr lang="zh-CN" altLang="en-US" sz="1800" dirty="0">
+                <a:solidFill>
+                  <a:schemeClr val="bg2">
+                    <a:lumMod val="25000"/>
+                  </a:schemeClr>
+                </a:solidFill>
+              </a:rPr>
+              <a:t>一个十分有用的工具类，允许对数据集中的不同列应用不同的预处理和转换步骤，在处理包含多种数据类型的数据集时特别有用。</a:t>
+            </a:r>
+            <a:endParaRPr lang="en-US" altLang="zh-CN" sz="1800" dirty="0">
+              <a:solidFill>
+                <a:schemeClr val="bg2">
+                  <a:lumMod val="25000"/>
+                </a:schemeClr>
+              </a:solidFill>
+            </a:endParaRPr>
+          </a:p>
+          <a:p>
+            <a:pPr>
+              <a:lnSpc>
+                <a:spcPct val="150000"/>
+              </a:lnSpc>
+            </a:pPr>
+            <a:r>
+              <a:rPr lang="zh-CN" altLang="en-US" sz="1800" dirty="0">
+                <a:solidFill>
+                  <a:schemeClr val="accent2"/>
+                </a:solidFill>
+              </a:rPr>
+              <a:t>灵活性</a:t>
+            </a:r>
+            <a:r>
+              <a:rPr lang="zh-CN" altLang="en-US" sz="1800" dirty="0">
+                <a:solidFill>
+                  <a:schemeClr val="bg2">
+                    <a:lumMod val="25000"/>
+                  </a:schemeClr>
+                </a:solidFill>
+              </a:rPr>
+              <a:t>：可以为数据集中每一列选择不同的预处理方法。</a:t>
+            </a:r>
+            <a:endParaRPr lang="en-US" altLang="zh-CN" sz="1800" dirty="0">
+              <a:solidFill>
+                <a:schemeClr val="bg2">
+                  <a:lumMod val="25000"/>
+                </a:schemeClr>
+              </a:solidFill>
+            </a:endParaRPr>
+          </a:p>
+          <a:p>
+            <a:pPr>
+              <a:lnSpc>
+                <a:spcPct val="150000"/>
+              </a:lnSpc>
+            </a:pPr>
+            <a:r>
+              <a:rPr lang="zh-CN" altLang="en-US" sz="1800" dirty="0">
+                <a:solidFill>
+                  <a:schemeClr val="accent2"/>
+                </a:solidFill>
+              </a:rPr>
+              <a:t>简洁性</a:t>
+            </a:r>
+            <a:r>
+              <a:rPr lang="zh-CN" altLang="en-US" sz="1800" dirty="0">
+                <a:solidFill>
+                  <a:schemeClr val="bg2">
+                    <a:lumMod val="25000"/>
+                  </a:schemeClr>
+                </a:solidFill>
+              </a:rPr>
+              <a:t>：允许在一个步骤中定义所有的列转换，代码易于管理。</a:t>
+            </a:r>
+            <a:endParaRPr lang="en-US" altLang="zh-CN" sz="1800" dirty="0">
+              <a:solidFill>
+                <a:schemeClr val="bg2">
+                  <a:lumMod val="25000"/>
+                </a:schemeClr>
+              </a:solidFill>
+            </a:endParaRPr>
+          </a:p>
+          <a:p>
+            <a:pPr>
+              <a:lnSpc>
+                <a:spcPct val="150000"/>
+              </a:lnSpc>
+            </a:pPr>
+            <a:r>
+              <a:rPr lang="zh-CN" altLang="en-US" sz="1800" dirty="0">
+                <a:solidFill>
+                  <a:schemeClr val="accent2"/>
+                </a:solidFill>
+              </a:rPr>
+              <a:t>兼容性</a:t>
+            </a:r>
+            <a:r>
+              <a:rPr lang="zh-CN" altLang="en-US" sz="1800" dirty="0">
+                <a:solidFill>
+                  <a:schemeClr val="bg2">
+                    <a:lumMod val="25000"/>
+                  </a:schemeClr>
+                </a:solidFill>
+              </a:rPr>
+              <a:t>：和 </a:t>
+            </a:r>
+            <a:r>
+              <a:rPr lang="en-US" altLang="zh-CN" sz="1800" dirty="0">
+                <a:solidFill>
+                  <a:schemeClr val="bg2">
+                    <a:lumMod val="25000"/>
+                  </a:schemeClr>
+                </a:solidFill>
+              </a:rPr>
+              <a:t>Pipeline</a:t>
+            </a:r>
+            <a:r>
+              <a:rPr lang="zh-CN" altLang="en-US" sz="1800" dirty="0">
+                <a:solidFill>
+                  <a:schemeClr val="bg2">
+                    <a:lumMod val="25000"/>
+                  </a:schemeClr>
+                </a:solidFill>
+              </a:rPr>
+              <a:t> 这种 </a:t>
+            </a:r>
+            <a:r>
+              <a:rPr lang="en-US" altLang="zh-CN" sz="1800" dirty="0">
+                <a:solidFill>
+                  <a:schemeClr val="bg2">
+                    <a:lumMod val="25000"/>
+                  </a:schemeClr>
+                </a:solidFill>
+              </a:rPr>
+              <a:t>scikit-learn</a:t>
+            </a:r>
+            <a:r>
+              <a:rPr lang="zh-CN" altLang="en-US" sz="1800" dirty="0">
+                <a:solidFill>
+                  <a:schemeClr val="bg2">
+                    <a:lumMod val="25000"/>
+                  </a:schemeClr>
+                </a:solidFill>
+              </a:rPr>
+              <a:t> 中的功能很好集成，非常容易嵌入机器学习工作流中。</a:t>
+            </a:r>
+            <a:endParaRPr lang="en-US" altLang="zh-CN" sz="1800" dirty="0">
+              <a:solidFill>
+                <a:schemeClr val="bg2">
+                  <a:lumMod val="25000"/>
+                </a:schemeClr>
+              </a:solidFill>
+            </a:endParaRPr>
+          </a:p>
+        </p:txBody>
+      </p:sp>
+    </p:spTree>
+    <p:extLst>
+      <p:ext uri="{BB962C8B-B14F-4D97-AF65-F5344CB8AC3E}">
+        <p14:creationId xmlns:p14="http://schemas.microsoft.com/office/powerpoint/2010/main" val="3310780297"/>
+      </p:ext>
+    </p:extLst>
+  </p:cSld>
+  <p:clrMapOvr>
+    <a:masterClrMapping/>
+  </p:clrMapOvr>
+</p:sld>
+</file>
+
+<file path=ppt/slides/slide24.xml><?xml version="1.0" encoding="utf-8"?>
 <p:sld xmlns:a="http://schemas.openxmlformats.org/drawingml/2006/main" xmlns:r="http://schemas.openxmlformats.org/officeDocument/2006/relationships" xmlns:p="http://schemas.openxmlformats.org/presentationml/2006/main">
   <p:cSld>
     <p:spTree>
